--- a/slides/6. Null Models.pptx
+++ b/slides/6. Null Models.pptx
@@ -19365,6 +19365,36 @@
           <a:chExt cx="0" cy="0"/>
         </a:xfrm>
       </p:grpSpPr>
+      <p:pic>
+        <p:nvPicPr>
+          <p:cNvPr id="11" name="Content Placeholder 7">
+            <a:extLst>
+              <a:ext uri="{FF2B5EF4-FFF2-40B4-BE49-F238E27FC236}">
+                <a16:creationId xmlns:a16="http://schemas.microsoft.com/office/drawing/2014/main" id="{C580412A-0C40-4EA6-9698-2DB66E21B5BA}"/>
+              </a:ext>
+            </a:extLst>
+          </p:cNvPr>
+          <p:cNvPicPr>
+            <a:picLocks noChangeAspect="1"/>
+          </p:cNvPicPr>
+          <p:nvPr/>
+        </p:nvPicPr>
+        <p:blipFill>
+          <a:blip r:embed="rId3"/>
+          <a:stretch>
+            <a:fillRect/>
+          </a:stretch>
+        </p:blipFill>
+        <p:spPr bwMode="gray">
+          <a:xfrm>
+            <a:off x="826477" y="1398455"/>
+            <a:ext cx="6096000" cy="1657350"/>
+          </a:xfrm>
+          <a:prstGeom prst="rect">
+            <a:avLst/>
+          </a:prstGeom>
+        </p:spPr>
+      </p:pic>
       <p:sp>
         <p:nvSpPr>
           <p:cNvPr id="2" name="Title 1">
@@ -19436,8 +19466,8 @@
         </p:nvSpPr>
         <p:spPr bwMode="gray">
           <a:xfrm>
-            <a:off x="478369" y="6101266"/>
-            <a:ext cx="11345036" cy="646331"/>
+            <a:off x="0" y="5824267"/>
+            <a:ext cx="12122870" cy="954107"/>
           </a:xfrm>
           <a:prstGeom prst="rect">
             <a:avLst/>
@@ -19451,7 +19481,83 @@
           <a:lstStyle/>
           <a:p>
             <a:r>
-              <a:rPr lang="en-US" b="0" i="0" dirty="0">
+              <a:rPr lang="en-US" sz="1400" b="0" i="0" u="sng" dirty="0">
+                <a:solidFill>
+                  <a:srgbClr val="222222"/>
+                </a:solidFill>
+                <a:effectLst/>
+                <a:latin typeface="Arial" panose="020B0604020202020204" pitchFamily="34" charset="0"/>
+              </a:rPr>
+              <a:t>Sources</a:t>
+            </a:r>
+            <a:r>
+              <a:rPr lang="en-US" sz="1400" b="0" i="0" dirty="0">
+                <a:solidFill>
+                  <a:srgbClr val="222222"/>
+                </a:solidFill>
+                <a:effectLst/>
+                <a:latin typeface="Arial" panose="020B0604020202020204" pitchFamily="34" charset="0"/>
+              </a:rPr>
+              <a:t>:</a:t>
+            </a:r>
+          </a:p>
+          <a:p>
+            <a:r>
+              <a:rPr lang="en-US" sz="1400" dirty="0">
+                <a:solidFill>
+                  <a:srgbClr val="222222"/>
+                </a:solidFill>
+                <a:latin typeface="Arial" panose="020B0604020202020204" pitchFamily="34" charset="0"/>
+              </a:rPr>
+              <a:t>Leskovec, Jure, 2022, CS224W: Machine Learning with Graphs | 2021 | Lecture 14.2 - </a:t>
+            </a:r>
+            <a:r>
+              <a:rPr lang="en-US" sz="1400" dirty="0" err="1">
+                <a:solidFill>
+                  <a:srgbClr val="222222"/>
+                </a:solidFill>
+                <a:latin typeface="Arial" panose="020B0604020202020204" pitchFamily="34" charset="0"/>
+              </a:rPr>
+              <a:t>Erdos</a:t>
+            </a:r>
+            <a:r>
+              <a:rPr lang="en-US" sz="1400" dirty="0">
+                <a:solidFill>
+                  <a:srgbClr val="222222"/>
+                </a:solidFill>
+                <a:latin typeface="Arial" panose="020B0604020202020204" pitchFamily="34" charset="0"/>
+              </a:rPr>
+              <a:t> </a:t>
+            </a:r>
+            <a:r>
+              <a:rPr lang="en-US" sz="1400" dirty="0" err="1">
+                <a:solidFill>
+                  <a:srgbClr val="222222"/>
+                </a:solidFill>
+                <a:latin typeface="Arial" panose="020B0604020202020204" pitchFamily="34" charset="0"/>
+              </a:rPr>
+              <a:t>Renyi</a:t>
+            </a:r>
+            <a:r>
+              <a:rPr lang="en-US" sz="1400" dirty="0">
+                <a:solidFill>
+                  <a:srgbClr val="222222"/>
+                </a:solidFill>
+                <a:latin typeface="Arial" panose="020B0604020202020204" pitchFamily="34" charset="0"/>
+              </a:rPr>
+              <a:t> Random Graphs</a:t>
+            </a:r>
+            <a:endParaRPr lang="en-US" sz="1400" b="0" i="0" dirty="0">
+              <a:solidFill>
+                <a:srgbClr val="222222"/>
+              </a:solidFill>
+              <a:effectLst/>
+              <a:latin typeface="Arial" panose="020B0604020202020204" pitchFamily="34" charset="0"/>
+            </a:endParaRPr>
+          </a:p>
+          <a:p>
+            <a:r>
+              <a:rPr lang="en-US" sz="1400" b="0" i="0" dirty="0">
                 <a:solidFill>
                   <a:srgbClr val="222222"/>
                 </a:solidFill>
@@ -19461,7 +19567,7 @@
               <a:t>Newman, Mark EJ, Steven H. </a:t>
             </a:r>
             <a:r>
-              <a:rPr lang="en-US" b="0" i="0" dirty="0" err="1">
+              <a:rPr lang="en-US" sz="1400" b="0" i="0" dirty="0" err="1">
                 <a:solidFill>
                   <a:srgbClr val="222222"/>
                 </a:solidFill>
@@ -19471,7 +19577,7 @@
               <a:t>Strogatz</a:t>
             </a:r>
             <a:r>
-              <a:rPr lang="en-US" b="0" i="0" dirty="0">
+              <a:rPr lang="en-US" sz="1400" b="0" i="0" dirty="0">
                 <a:solidFill>
                   <a:srgbClr val="222222"/>
                 </a:solidFill>
@@ -19481,7 +19587,7 @@
               <a:t>, and Duncan J. Watts. "Random graphs with arbitrary degree distributions and their applications." </a:t>
             </a:r>
             <a:r>
-              <a:rPr lang="en-US" b="0" i="1" dirty="0">
+              <a:rPr lang="en-US" sz="1400" b="0" i="1" dirty="0">
                 <a:solidFill>
                   <a:srgbClr val="222222"/>
                 </a:solidFill>
@@ -19491,7 +19597,7 @@
               <a:t>Physical review E</a:t>
             </a:r>
             <a:r>
-              <a:rPr lang="en-US" b="0" i="0" dirty="0">
+              <a:rPr lang="en-US" sz="1400" b="0" i="0" dirty="0">
                 <a:solidFill>
                   <a:srgbClr val="222222"/>
                 </a:solidFill>
@@ -19500,40 +19606,10 @@
               </a:rPr>
               <a:t> 64.2 (2001): 026118.</a:t>
             </a:r>
-            <a:endParaRPr lang="en-US" dirty="0"/>
+            <a:endParaRPr lang="en-US" sz="1400" dirty="0"/>
           </a:p>
         </p:txBody>
       </p:sp>
-      <p:pic>
-        <p:nvPicPr>
-          <p:cNvPr id="11" name="Content Placeholder 7">
-            <a:extLst>
-              <a:ext uri="{FF2B5EF4-FFF2-40B4-BE49-F238E27FC236}">
-                <a16:creationId xmlns:a16="http://schemas.microsoft.com/office/drawing/2014/main" id="{C580412A-0C40-4EA6-9698-2DB66E21B5BA}"/>
-              </a:ext>
-            </a:extLst>
-          </p:cNvPr>
-          <p:cNvPicPr>
-            <a:picLocks noChangeAspect="1"/>
-          </p:cNvPicPr>
-          <p:nvPr/>
-        </p:nvPicPr>
-        <p:blipFill>
-          <a:blip r:embed="rId3"/>
-          <a:stretch>
-            <a:fillRect/>
-          </a:stretch>
-        </p:blipFill>
-        <p:spPr bwMode="gray">
-          <a:xfrm>
-            <a:off x="826477" y="2619573"/>
-            <a:ext cx="6096000" cy="1657350"/>
-          </a:xfrm>
-          <a:prstGeom prst="rect">
-            <a:avLst/>
-          </a:prstGeom>
-        </p:spPr>
-      </p:pic>
       <p:cxnSp>
         <p:nvCxnSpPr>
           <p:cNvPr id="13" name="Connector: Elbow 12">
@@ -19545,35 +19621,37 @@
           </p:cNvPr>
           <p:cNvCxnSpPr>
             <a:cxnSpLocks/>
-            <a:stCxn id="11" idx="3"/>
             <a:endCxn id="15" idx="0"/>
           </p:cNvCxnSpPr>
           <p:nvPr/>
         </p:nvCxnSpPr>
         <p:spPr bwMode="gray">
           <a:xfrm>
-            <a:off x="6922477" y="3448248"/>
-            <a:ext cx="2571831" cy="645474"/>
+            <a:off x="6922477" y="2430918"/>
+            <a:ext cx="2534124" cy="871402"/>
           </a:xfrm>
           <a:prstGeom prst="bentConnector2">
             <a:avLst/>
           </a:prstGeom>
-          <a:ln>
+          <a:ln w="9525" cap="flat" cmpd="sng" algn="ctr">
             <a:solidFill>
               <a:schemeClr val="accent1"/>
             </a:solidFill>
-            <a:tailEnd type="triangle"/>
+            <a:prstDash val="solid"/>
+            <a:round/>
+            <a:headEnd type="none" w="med" len="med"/>
+            <a:tailEnd type="arrow" w="med" len="med"/>
           </a:ln>
         </p:spPr>
         <p:style>
-          <a:lnRef idx="1">
-            <a:schemeClr val="accent1"/>
+          <a:lnRef idx="0">
+            <a:scrgbClr r="0" g="0" b="0"/>
           </a:lnRef>
           <a:fillRef idx="0">
-            <a:schemeClr val="accent1"/>
+            <a:scrgbClr r="0" g="0" b="0"/>
           </a:fillRef>
           <a:effectRef idx="0">
-            <a:schemeClr val="accent1"/>
+            <a:scrgbClr r="0" g="0" b="0"/>
           </a:effectRef>
           <a:fontRef idx="minor">
             <a:schemeClr val="tx1"/>
@@ -19594,7 +19672,7 @@
         </p:nvSpPr>
         <p:spPr bwMode="gray">
           <a:xfrm flipV="1">
-            <a:off x="5582289" y="2827778"/>
+            <a:off x="5544582" y="2036376"/>
             <a:ext cx="1105795" cy="1240940"/>
           </a:xfrm>
           <a:prstGeom prst="rect">
@@ -19666,7 +19744,7 @@
         </p:nvSpPr>
         <p:spPr bwMode="gray">
           <a:xfrm>
-            <a:off x="7342519" y="4093722"/>
+            <a:off x="7304812" y="3302320"/>
             <a:ext cx="4303578" cy="646331"/>
           </a:xfrm>
           <a:prstGeom prst="rect">
@@ -19701,48 +19779,7 @@
         </p:nvSpPr>
         <p:spPr bwMode="gray">
           <a:xfrm>
-            <a:off x="7374711" y="2296407"/>
-            <a:ext cx="4303578" cy="646331"/>
-          </a:xfrm>
-          <a:prstGeom prst="rect">
-            <a:avLst/>
-          </a:prstGeom>
-          <a:noFill/>
-        </p:spPr>
-        <p:txBody>
-          <a:bodyPr wrap="square">
-            <a:spAutoFit/>
-          </a:bodyPr>
-          <a:lstStyle/>
-          <a:p>
-            <a:r>
-              <a:rPr lang="en-US" dirty="0"/>
-              <a:t>z = average number of edges</a:t>
-            </a:r>
-          </a:p>
-          <a:p>
-            <a:r>
-              <a:rPr lang="en-US" dirty="0"/>
-              <a:t>k = degree of an edge</a:t>
-            </a:r>
-          </a:p>
-        </p:txBody>
-      </p:sp>
-      <p:sp>
-        <p:nvSpPr>
-          <p:cNvPr id="18" name="TextBox 17">
-            <a:extLst>
-              <a:ext uri="{FF2B5EF4-FFF2-40B4-BE49-F238E27FC236}">
-                <a16:creationId xmlns:a16="http://schemas.microsoft.com/office/drawing/2014/main" id="{66EC6995-1307-4E1B-B2C5-336A7BD2D5C6}"/>
-              </a:ext>
-            </a:extLst>
-          </p:cNvPr>
-          <p:cNvSpPr txBox="1"/>
-          <p:nvPr/>
-        </p:nvSpPr>
-        <p:spPr bwMode="gray">
-          <a:xfrm>
-            <a:off x="449061" y="1723114"/>
+            <a:off x="7337004" y="1505005"/>
             <a:ext cx="4303578" cy="369332"/>
           </a:xfrm>
           <a:prstGeom prst="rect">
@@ -19757,14 +19794,126 @@
           <a:lstStyle/>
           <a:p>
             <a:r>
-              <a:rPr lang="en-US" b="1" dirty="0"/>
-              <a:t>Distribution of Node Degrees</a:t>
+              <a:rPr lang="en-US" dirty="0"/>
+              <a:t>z = average number of edges</a:t>
             </a:r>
           </a:p>
         </p:txBody>
       </p:sp>
-      <mc:AlternateContent xmlns:mc="http://schemas.openxmlformats.org/markup-compatibility/2006" xmlns:a14="http://schemas.microsoft.com/office/drawing/2010/main">
-        <mc:Choice Requires="a14">
+      <mc:AlternateContent xmlns:mc="http://schemas.openxmlformats.org/markup-compatibility/2006">
+        <mc:Choice xmlns:a14="http://schemas.microsoft.com/office/drawing/2010/main" Requires="a14">
+          <p:sp>
+            <p:nvSpPr>
+              <p:cNvPr id="18" name="TextBox 17">
+                <a:extLst>
+                  <a:ext uri="{FF2B5EF4-FFF2-40B4-BE49-F238E27FC236}">
+                    <a16:creationId xmlns:a16="http://schemas.microsoft.com/office/drawing/2014/main" id="{66EC6995-1307-4E1B-B2C5-336A7BD2D5C6}"/>
+                  </a:ext>
+                </a:extLst>
+              </p:cNvPr>
+              <p:cNvSpPr txBox="1"/>
+              <p:nvPr/>
+            </p:nvSpPr>
+            <p:spPr bwMode="gray">
+              <a:xfrm>
+                <a:off x="411354" y="931712"/>
+                <a:ext cx="5829190" cy="453137"/>
+              </a:xfrm>
+              <a:prstGeom prst="rect">
+                <a:avLst/>
+              </a:prstGeom>
+              <a:noFill/>
+            </p:spPr>
+            <p:txBody>
+              <a:bodyPr wrap="square">
+                <a:spAutoFit/>
+              </a:bodyPr>
+              <a:lstStyle/>
+              <a:p>
+                <a14:m>
+                  <m:oMath xmlns:m="http://schemas.openxmlformats.org/officeDocument/2006/math">
+                    <m:sSub>
+                      <m:sSubPr>
+                        <m:ctrlPr>
+                          <a:rPr lang="en-US" sz="2400" b="1" i="1" dirty="0" smtClean="0">
+                            <a:latin typeface="Cambria Math" panose="02040503050406030204" pitchFamily="18" charset="0"/>
+                          </a:rPr>
+                        </m:ctrlPr>
+                      </m:sSubPr>
+                      <m:e>
+                        <m:r>
+                          <a:rPr lang="en-US" sz="2400" b="1" i="1" dirty="0" smtClean="0">
+                            <a:latin typeface="Cambria Math" panose="02040503050406030204" pitchFamily="18" charset="0"/>
+                          </a:rPr>
+                          <m:t>𝑷</m:t>
+                        </m:r>
+                      </m:e>
+                      <m:sub>
+                        <m:r>
+                          <a:rPr lang="en-US" sz="2400" b="1" i="1" dirty="0" smtClean="0">
+                            <a:latin typeface="Cambria Math" panose="02040503050406030204" pitchFamily="18" charset="0"/>
+                          </a:rPr>
+                          <m:t>𝒌</m:t>
+                        </m:r>
+                      </m:sub>
+                    </m:sSub>
+                  </m:oMath>
+                </a14:m>
+                <a:r>
+                  <a:rPr lang="en-US" b="1" dirty="0"/>
+                  <a:t>= Node degree distribution for k degree</a:t>
+                </a:r>
+              </a:p>
+            </p:txBody>
+          </p:sp>
+        </mc:Choice>
+        <mc:Fallback>
+          <p:sp>
+            <p:nvSpPr>
+              <p:cNvPr id="18" name="TextBox 17">
+                <a:extLst>
+                  <a:ext uri="{FF2B5EF4-FFF2-40B4-BE49-F238E27FC236}">
+                    <a16:creationId xmlns:a16="http://schemas.microsoft.com/office/drawing/2014/main" id="{66EC6995-1307-4E1B-B2C5-336A7BD2D5C6}"/>
+                  </a:ext>
+                </a:extLst>
+              </p:cNvPr>
+              <p:cNvSpPr txBox="1">
+                <a:spLocks noRot="1" noChangeAspect="1" noMove="1" noResize="1" noEditPoints="1" noAdjustHandles="1" noChangeArrowheads="1" noChangeShapeType="1" noTextEdit="1"/>
+              </p:cNvSpPr>
+              <p:nvPr/>
+            </p:nvSpPr>
+            <p:spPr bwMode="gray">
+              <a:xfrm>
+                <a:off x="411354" y="931712"/>
+                <a:ext cx="5829190" cy="453137"/>
+              </a:xfrm>
+              <a:prstGeom prst="rect">
+                <a:avLst/>
+              </a:prstGeom>
+              <a:blipFill>
+                <a:blip r:embed="rId4"/>
+                <a:stretch>
+                  <a:fillRect l="-209" b="-17568"/>
+                </a:stretch>
+              </a:blipFill>
+            </p:spPr>
+            <p:txBody>
+              <a:bodyPr/>
+              <a:lstStyle/>
+              <a:p>
+                <a:r>
+                  <a:rPr lang="en-US">
+                    <a:noFill/>
+                  </a:rPr>
+                  <a:t> </a:t>
+                </a:r>
+              </a:p>
+            </p:txBody>
+          </p:sp>
+        </mc:Fallback>
+      </mc:AlternateContent>
+      <mc:AlternateContent xmlns:mc="http://schemas.openxmlformats.org/markup-compatibility/2006">
+        <mc:Choice xmlns:a14="http://schemas.microsoft.com/office/drawing/2010/main" Requires="a14">
           <p:sp>
             <p:nvSpPr>
               <p:cNvPr id="46" name="TextBox 45">
@@ -19779,7 +19928,7 @@
             </p:nvSpPr>
             <p:spPr bwMode="gray">
               <a:xfrm>
-                <a:off x="668217" y="4915392"/>
+                <a:off x="439886" y="4584290"/>
                 <a:ext cx="6254260" cy="929422"/>
               </a:xfrm>
               <a:prstGeom prst="rect">
@@ -19958,7 +20107,7 @@
             </p:txBody>
           </p:sp>
         </mc:Choice>
-        <mc:Fallback xmlns="">
+        <mc:Fallback>
           <p:sp>
             <p:nvSpPr>
               <p:cNvPr id="46" name="TextBox 45">
@@ -19975,16 +20124,16 @@
             </p:nvSpPr>
             <p:spPr bwMode="gray">
               <a:xfrm>
-                <a:off x="668217" y="4915392"/>
+                <a:off x="439886" y="4584290"/>
                 <a:ext cx="6254260" cy="929422"/>
               </a:xfrm>
               <a:prstGeom prst="rect">
                 <a:avLst/>
               </a:prstGeom>
               <a:blipFill>
-                <a:blip r:embed="rId4"/>
+                <a:blip r:embed="rId5"/>
                 <a:stretch>
-                  <a:fillRect l="-877" t="-3268" b="-9150"/>
+                  <a:fillRect l="-780" t="-3289" b="-9868"/>
                 </a:stretch>
               </a:blipFill>
             </p:spPr>
@@ -20003,6 +20152,448 @@
           </p:sp>
         </mc:Fallback>
       </mc:AlternateContent>
+      <p:sp>
+        <p:nvSpPr>
+          <p:cNvPr id="7" name="TextBox 6">
+            <a:extLst>
+              <a:ext uri="{FF2B5EF4-FFF2-40B4-BE49-F238E27FC236}">
+                <a16:creationId xmlns:a16="http://schemas.microsoft.com/office/drawing/2014/main" id="{8A3F5704-3098-F907-93EE-DAC659D9D0CA}"/>
+              </a:ext>
+            </a:extLst>
+          </p:cNvPr>
+          <p:cNvSpPr txBox="1"/>
+          <p:nvPr/>
+        </p:nvSpPr>
+        <p:spPr bwMode="gray">
+          <a:xfrm>
+            <a:off x="2349252" y="3271126"/>
+            <a:ext cx="1553445" cy="923330"/>
+          </a:xfrm>
+          <a:prstGeom prst="rect">
+            <a:avLst/>
+          </a:prstGeom>
+          <a:noFill/>
+        </p:spPr>
+        <p:txBody>
+          <a:bodyPr wrap="square">
+            <a:spAutoFit/>
+          </a:bodyPr>
+          <a:lstStyle/>
+          <a:p>
+            <a:r>
+              <a:rPr lang="en-US" dirty="0"/>
+              <a:t>probability of having k edges</a:t>
+            </a:r>
+          </a:p>
+        </p:txBody>
+      </p:sp>
+      <p:sp>
+        <p:nvSpPr>
+          <p:cNvPr id="8" name="TextBox 7">
+            <a:extLst>
+              <a:ext uri="{FF2B5EF4-FFF2-40B4-BE49-F238E27FC236}">
+                <a16:creationId xmlns:a16="http://schemas.microsoft.com/office/drawing/2014/main" id="{E94533FA-D615-DF27-EDC6-B2DEF4A153FE}"/>
+              </a:ext>
+            </a:extLst>
+          </p:cNvPr>
+          <p:cNvSpPr txBox="1"/>
+          <p:nvPr/>
+        </p:nvSpPr>
+        <p:spPr bwMode="gray">
+          <a:xfrm>
+            <a:off x="4100911" y="3402003"/>
+            <a:ext cx="1715428" cy="1200329"/>
+          </a:xfrm>
+          <a:prstGeom prst="rect">
+            <a:avLst/>
+          </a:prstGeom>
+          <a:noFill/>
+        </p:spPr>
+        <p:txBody>
+          <a:bodyPr wrap="square">
+            <a:spAutoFit/>
+          </a:bodyPr>
+          <a:lstStyle/>
+          <a:p>
+            <a:r>
+              <a:rPr lang="en-US" dirty="0"/>
+              <a:t>probability of missing the rest of N-k edges</a:t>
+            </a:r>
+          </a:p>
+        </p:txBody>
+      </p:sp>
+      <p:sp>
+        <p:nvSpPr>
+          <p:cNvPr id="9" name="TextBox 8">
+            <a:extLst>
+              <a:ext uri="{FF2B5EF4-FFF2-40B4-BE49-F238E27FC236}">
+                <a16:creationId xmlns:a16="http://schemas.microsoft.com/office/drawing/2014/main" id="{E0F4D71B-E319-4AC1-2F5C-CE3BE27CC2A0}"/>
+              </a:ext>
+            </a:extLst>
+          </p:cNvPr>
+          <p:cNvSpPr txBox="1"/>
+          <p:nvPr/>
+        </p:nvSpPr>
+        <p:spPr bwMode="gray">
+          <a:xfrm>
+            <a:off x="457705" y="3213338"/>
+            <a:ext cx="1399376" cy="923330"/>
+          </a:xfrm>
+          <a:prstGeom prst="rect">
+            <a:avLst/>
+          </a:prstGeom>
+          <a:noFill/>
+        </p:spPr>
+        <p:txBody>
+          <a:bodyPr wrap="square">
+            <a:spAutoFit/>
+          </a:bodyPr>
+          <a:lstStyle/>
+          <a:p>
+            <a:r>
+              <a:rPr lang="en-US" dirty="0"/>
+              <a:t>Selecting k nodes out of N</a:t>
+            </a:r>
+          </a:p>
+        </p:txBody>
+      </p:sp>
+      <p:cxnSp>
+        <p:nvCxnSpPr>
+          <p:cNvPr id="25" name="Connector: Elbow 24">
+            <a:extLst>
+              <a:ext uri="{FF2B5EF4-FFF2-40B4-BE49-F238E27FC236}">
+                <a16:creationId xmlns:a16="http://schemas.microsoft.com/office/drawing/2014/main" id="{3D623FA5-3EE6-4B65-1677-DEE233739228}"/>
+              </a:ext>
+            </a:extLst>
+          </p:cNvPr>
+          <p:cNvCxnSpPr>
+            <a:cxnSpLocks/>
+            <a:stCxn id="26" idx="2"/>
+            <a:endCxn id="9" idx="0"/>
+          </p:cNvCxnSpPr>
+          <p:nvPr/>
+        </p:nvCxnSpPr>
+        <p:spPr bwMode="gray">
+          <a:xfrm rot="5400000">
+            <a:off x="1669275" y="2502350"/>
+            <a:ext cx="199106" cy="1222870"/>
+          </a:xfrm>
+          <a:prstGeom prst="bentConnector3">
+            <a:avLst>
+              <a:gd name="adj1" fmla="val 50000"/>
+            </a:avLst>
+          </a:prstGeom>
+          <a:ln>
+            <a:solidFill>
+              <a:schemeClr val="accent1"/>
+            </a:solidFill>
+            <a:tailEnd type="triangle"/>
+          </a:ln>
+        </p:spPr>
+        <p:style>
+          <a:lnRef idx="1">
+            <a:schemeClr val="accent1"/>
+          </a:lnRef>
+          <a:fillRef idx="0">
+            <a:schemeClr val="accent1"/>
+          </a:fillRef>
+          <a:effectRef idx="0">
+            <a:schemeClr val="accent1"/>
+          </a:effectRef>
+          <a:fontRef idx="minor">
+            <a:schemeClr val="tx1"/>
+          </a:fontRef>
+        </p:style>
+      </p:cxnSp>
+      <p:sp>
+        <p:nvSpPr>
+          <p:cNvPr id="26" name="Rectangle 25">
+            <a:extLst>
+              <a:ext uri="{FF2B5EF4-FFF2-40B4-BE49-F238E27FC236}">
+                <a16:creationId xmlns:a16="http://schemas.microsoft.com/office/drawing/2014/main" id="{F722EB27-E3CD-B730-DE0D-12FE52042AFA}"/>
+              </a:ext>
+            </a:extLst>
+          </p:cNvPr>
+          <p:cNvSpPr/>
+          <p:nvPr/>
+        </p:nvSpPr>
+        <p:spPr bwMode="gray">
+          <a:xfrm>
+            <a:off x="2197383" y="2968513"/>
+            <a:ext cx="365760" cy="45719"/>
+          </a:xfrm>
+          <a:prstGeom prst="rect">
+            <a:avLst/>
+          </a:prstGeom>
+          <a:ln>
+            <a:noFill/>
+          </a:ln>
+        </p:spPr>
+        <p:style>
+          <a:lnRef idx="2">
+            <a:schemeClr val="accent1">
+              <a:shade val="50000"/>
+            </a:schemeClr>
+          </a:lnRef>
+          <a:fillRef idx="1">
+            <a:schemeClr val="accent1"/>
+          </a:fillRef>
+          <a:effectRef idx="0">
+            <a:schemeClr val="accent1"/>
+          </a:effectRef>
+          <a:fontRef idx="minor">
+            <a:schemeClr val="lt1"/>
+          </a:fontRef>
+        </p:style>
+        <p:txBody>
+          <a:bodyPr rot="0" spcFirstLastPara="0" vertOverflow="overflow" horzOverflow="overflow" vert="horz" wrap="square" lIns="108000" tIns="72000" rIns="108000" bIns="72000" numCol="1" spcCol="0" rtlCol="0" fromWordArt="0" anchor="ctr" anchorCtr="0" forceAA="0" compatLnSpc="1">
+            <a:prstTxWarp prst="textNoShape">
+              <a:avLst/>
+            </a:prstTxWarp>
+            <a:noAutofit/>
+          </a:bodyPr>
+          <a:lstStyle/>
+          <a:p>
+            <a:pPr algn="ctr">
+              <a:spcBef>
+                <a:spcPts val="300"/>
+              </a:spcBef>
+              <a:spcAft>
+                <a:spcPts val="300"/>
+              </a:spcAft>
+            </a:pPr>
+            <a:endParaRPr lang="en-US" sz="1200" b="1" dirty="0" err="1">
+              <a:solidFill>
+                <a:schemeClr val="bg1"/>
+              </a:solidFill>
+            </a:endParaRPr>
+          </a:p>
+        </p:txBody>
+      </p:sp>
+      <p:sp>
+        <p:nvSpPr>
+          <p:cNvPr id="27" name="Rectangle 26">
+            <a:extLst>
+              <a:ext uri="{FF2B5EF4-FFF2-40B4-BE49-F238E27FC236}">
+                <a16:creationId xmlns:a16="http://schemas.microsoft.com/office/drawing/2014/main" id="{A98A3693-B808-195B-E8CF-37F3B5B6717E}"/>
+              </a:ext>
+            </a:extLst>
+          </p:cNvPr>
+          <p:cNvSpPr/>
+          <p:nvPr/>
+        </p:nvSpPr>
+        <p:spPr bwMode="gray">
+          <a:xfrm>
+            <a:off x="2718172" y="2692077"/>
+            <a:ext cx="365760" cy="45719"/>
+          </a:xfrm>
+          <a:prstGeom prst="rect">
+            <a:avLst/>
+          </a:prstGeom>
+          <a:ln>
+            <a:noFill/>
+          </a:ln>
+        </p:spPr>
+        <p:style>
+          <a:lnRef idx="2">
+            <a:schemeClr val="accent1">
+              <a:shade val="50000"/>
+            </a:schemeClr>
+          </a:lnRef>
+          <a:fillRef idx="1">
+            <a:schemeClr val="accent1"/>
+          </a:fillRef>
+          <a:effectRef idx="0">
+            <a:schemeClr val="accent1"/>
+          </a:effectRef>
+          <a:fontRef idx="minor">
+            <a:schemeClr val="lt1"/>
+          </a:fontRef>
+        </p:style>
+        <p:txBody>
+          <a:bodyPr rot="0" spcFirstLastPara="0" vertOverflow="overflow" horzOverflow="overflow" vert="horz" wrap="square" lIns="108000" tIns="72000" rIns="108000" bIns="72000" numCol="1" spcCol="0" rtlCol="0" fromWordArt="0" anchor="ctr" anchorCtr="0" forceAA="0" compatLnSpc="1">
+            <a:prstTxWarp prst="textNoShape">
+              <a:avLst/>
+            </a:prstTxWarp>
+            <a:noAutofit/>
+          </a:bodyPr>
+          <a:lstStyle/>
+          <a:p>
+            <a:pPr algn="ctr">
+              <a:spcBef>
+                <a:spcPts val="300"/>
+              </a:spcBef>
+              <a:spcAft>
+                <a:spcPts val="300"/>
+              </a:spcAft>
+            </a:pPr>
+            <a:endParaRPr lang="en-US" sz="1200" b="1" dirty="0" err="1">
+              <a:solidFill>
+                <a:schemeClr val="bg1"/>
+              </a:solidFill>
+            </a:endParaRPr>
+          </a:p>
+        </p:txBody>
+      </p:sp>
+      <p:sp>
+        <p:nvSpPr>
+          <p:cNvPr id="28" name="Rectangle 27">
+            <a:extLst>
+              <a:ext uri="{FF2B5EF4-FFF2-40B4-BE49-F238E27FC236}">
+                <a16:creationId xmlns:a16="http://schemas.microsoft.com/office/drawing/2014/main" id="{DE55DE68-89A1-D24C-C2D3-EB6F6FE005B6}"/>
+              </a:ext>
+            </a:extLst>
+          </p:cNvPr>
+          <p:cNvSpPr/>
+          <p:nvPr/>
+        </p:nvSpPr>
+        <p:spPr bwMode="gray">
+          <a:xfrm>
+            <a:off x="3310265" y="2680996"/>
+            <a:ext cx="1280160" cy="45720"/>
+          </a:xfrm>
+          <a:prstGeom prst="rect">
+            <a:avLst/>
+          </a:prstGeom>
+          <a:ln>
+            <a:noFill/>
+          </a:ln>
+        </p:spPr>
+        <p:style>
+          <a:lnRef idx="2">
+            <a:schemeClr val="accent1">
+              <a:shade val="50000"/>
+            </a:schemeClr>
+          </a:lnRef>
+          <a:fillRef idx="1">
+            <a:schemeClr val="accent1"/>
+          </a:fillRef>
+          <a:effectRef idx="0">
+            <a:schemeClr val="accent1"/>
+          </a:effectRef>
+          <a:fontRef idx="minor">
+            <a:schemeClr val="lt1"/>
+          </a:fontRef>
+        </p:style>
+        <p:txBody>
+          <a:bodyPr rot="0" spcFirstLastPara="0" vertOverflow="overflow" horzOverflow="overflow" vert="horz" wrap="square" lIns="108000" tIns="72000" rIns="108000" bIns="72000" numCol="1" spcCol="0" rtlCol="0" fromWordArt="0" anchor="ctr" anchorCtr="0" forceAA="0" compatLnSpc="1">
+            <a:prstTxWarp prst="textNoShape">
+              <a:avLst/>
+            </a:prstTxWarp>
+            <a:noAutofit/>
+          </a:bodyPr>
+          <a:lstStyle/>
+          <a:p>
+            <a:pPr algn="ctr">
+              <a:spcBef>
+                <a:spcPts val="300"/>
+              </a:spcBef>
+              <a:spcAft>
+                <a:spcPts val="300"/>
+              </a:spcAft>
+            </a:pPr>
+            <a:endParaRPr lang="en-US" sz="1200" b="1" dirty="0" err="1">
+              <a:solidFill>
+                <a:schemeClr val="bg1"/>
+              </a:solidFill>
+            </a:endParaRPr>
+          </a:p>
+        </p:txBody>
+      </p:sp>
+      <p:cxnSp>
+        <p:nvCxnSpPr>
+          <p:cNvPr id="10" name="Connector: Elbow 9">
+            <a:extLst>
+              <a:ext uri="{FF2B5EF4-FFF2-40B4-BE49-F238E27FC236}">
+                <a16:creationId xmlns:a16="http://schemas.microsoft.com/office/drawing/2014/main" id="{AC31B05B-EE41-DB18-4FB1-C73AA5E947EF}"/>
+              </a:ext>
+            </a:extLst>
+          </p:cNvPr>
+          <p:cNvCxnSpPr>
+            <a:cxnSpLocks/>
+          </p:cNvCxnSpPr>
+          <p:nvPr/>
+        </p:nvCxnSpPr>
+        <p:spPr bwMode="gray">
+          <a:xfrm rot="16200000" flipH="1">
+            <a:off x="2749326" y="2923194"/>
+            <a:ext cx="533330" cy="224923"/>
+          </a:xfrm>
+          <a:prstGeom prst="bentConnector3">
+            <a:avLst>
+              <a:gd name="adj1" fmla="val 50000"/>
+            </a:avLst>
+          </a:prstGeom>
+          <a:ln>
+            <a:solidFill>
+              <a:schemeClr val="accent1"/>
+            </a:solidFill>
+            <a:tailEnd type="triangle"/>
+          </a:ln>
+        </p:spPr>
+        <p:style>
+          <a:lnRef idx="1">
+            <a:schemeClr val="accent1"/>
+          </a:lnRef>
+          <a:fillRef idx="0">
+            <a:schemeClr val="accent1"/>
+          </a:fillRef>
+          <a:effectRef idx="0">
+            <a:schemeClr val="accent1"/>
+          </a:effectRef>
+          <a:fontRef idx="minor">
+            <a:schemeClr val="tx1"/>
+          </a:fontRef>
+        </p:style>
+      </p:cxnSp>
+      <p:cxnSp>
+        <p:nvCxnSpPr>
+          <p:cNvPr id="22" name="Connector: Elbow 21">
+            <a:extLst>
+              <a:ext uri="{FF2B5EF4-FFF2-40B4-BE49-F238E27FC236}">
+                <a16:creationId xmlns:a16="http://schemas.microsoft.com/office/drawing/2014/main" id="{B5A468C9-F162-F189-1E18-73747E0E9A09}"/>
+              </a:ext>
+            </a:extLst>
+          </p:cNvPr>
+          <p:cNvCxnSpPr>
+            <a:cxnSpLocks/>
+            <a:stCxn id="28" idx="2"/>
+            <a:endCxn id="8" idx="0"/>
+          </p:cNvCxnSpPr>
+          <p:nvPr/>
+        </p:nvCxnSpPr>
+        <p:spPr bwMode="gray">
+          <a:xfrm rot="16200000" flipH="1">
+            <a:off x="4116842" y="2560219"/>
+            <a:ext cx="675287" cy="1008280"/>
+          </a:xfrm>
+          <a:prstGeom prst="bentConnector3">
+            <a:avLst>
+              <a:gd name="adj1" fmla="val 50000"/>
+            </a:avLst>
+          </a:prstGeom>
+          <a:ln>
+            <a:solidFill>
+              <a:schemeClr val="accent1"/>
+            </a:solidFill>
+            <a:tailEnd type="triangle"/>
+          </a:ln>
+        </p:spPr>
+        <p:style>
+          <a:lnRef idx="1">
+            <a:schemeClr val="accent1"/>
+          </a:lnRef>
+          <a:fillRef idx="0">
+            <a:schemeClr val="accent1"/>
+          </a:fillRef>
+          <a:effectRef idx="0">
+            <a:schemeClr val="accent1"/>
+          </a:effectRef>
+          <a:fontRef idx="minor">
+            <a:schemeClr val="tx1"/>
+          </a:fontRef>
+        </p:style>
+      </p:cxnSp>
     </p:spTree>
     <p:extLst>
       <p:ext uri="{BB962C8B-B14F-4D97-AF65-F5344CB8AC3E}">
@@ -20171,6 +20762,87 @@
                                   </p:childTnLst>
                                 </p:cTn>
                               </p:par>
+                              <p:par>
+                                <p:cTn id="15" presetID="1" presetClass="entr" presetSubtype="0" fill="hold" grpId="0" nodeType="withEffect">
+                                  <p:stCondLst>
+                                    <p:cond delay="0"/>
+                                  </p:stCondLst>
+                                  <p:childTnLst>
+                                    <p:set>
+                                      <p:cBhvr>
+                                        <p:cTn id="16" dur="1" fill="hold">
+                                          <p:stCondLst>
+                                            <p:cond delay="0"/>
+                                          </p:stCondLst>
+                                        </p:cTn>
+                                        <p:tgtEl>
+                                          <p:spTgt spid="7"/>
+                                        </p:tgtEl>
+                                        <p:attrNameLst>
+                                          <p:attrName>style.visibility</p:attrName>
+                                        </p:attrNameLst>
+                                      </p:cBhvr>
+                                      <p:to>
+                                        <p:strVal val="visible"/>
+                                      </p:to>
+                                    </p:set>
+                                  </p:childTnLst>
+                                </p:cTn>
+                              </p:par>
+                              <p:par>
+                                <p:cTn id="17" presetID="1" presetClass="entr" presetSubtype="0" fill="hold" grpId="0" nodeType="withEffect">
+                                  <p:stCondLst>
+                                    <p:cond delay="0"/>
+                                  </p:stCondLst>
+                                  <p:childTnLst>
+                                    <p:set>
+                                      <p:cBhvr>
+                                        <p:cTn id="18" dur="1" fill="hold">
+                                          <p:stCondLst>
+                                            <p:cond delay="0"/>
+                                          </p:stCondLst>
+                                        </p:cTn>
+                                        <p:tgtEl>
+                                          <p:spTgt spid="8"/>
+                                        </p:tgtEl>
+                                        <p:attrNameLst>
+                                          <p:attrName>style.visibility</p:attrName>
+                                        </p:attrNameLst>
+                                      </p:cBhvr>
+                                      <p:to>
+                                        <p:strVal val="visible"/>
+                                      </p:to>
+                                    </p:set>
+                                  </p:childTnLst>
+                                </p:cTn>
+                              </p:par>
+                              <p:par>
+                                <p:cTn id="19" presetID="1" presetClass="entr" presetSubtype="0" fill="hold" grpId="0" nodeType="withEffect">
+                                  <p:stCondLst>
+                                    <p:cond delay="0"/>
+                                  </p:stCondLst>
+                                  <p:childTnLst>
+                                    <p:set>
+                                      <p:cBhvr>
+                                        <p:cTn id="20" dur="1" fill="hold">
+                                          <p:stCondLst>
+                                            <p:cond delay="0"/>
+                                          </p:stCondLst>
+                                        </p:cTn>
+                                        <p:tgtEl>
+                                          <p:spTgt spid="9"/>
+                                        </p:tgtEl>
+                                        <p:attrNameLst>
+                                          <p:attrName>style.visibility</p:attrName>
+                                        </p:attrNameLst>
+                                      </p:cBhvr>
+                                      <p:to>
+                                        <p:strVal val="visible"/>
+                                      </p:to>
+                                    </p:set>
+                                  </p:childTnLst>
+                                </p:cTn>
+                              </p:par>
                             </p:childTnLst>
                           </p:cTn>
                         </p:par>
@@ -20203,6 +20875,9 @@
       <p:bldP spid="15" grpId="0"/>
       <p:bldP spid="17" grpId="0"/>
       <p:bldP spid="18" grpId="0"/>
+      <p:bldP spid="7" grpId="0"/>
+      <p:bldP spid="8" grpId="0"/>
+      <p:bldP spid="9" grpId="0"/>
     </p:bldLst>
   </p:timing>
 </p:sld>
@@ -21165,7 +21840,7 @@
                             <a:rPr lang="en-US" sz="2400" b="0" i="1" smtClean="0">
                               <a:latin typeface="Cambria Math" panose="02040503050406030204" pitchFamily="18" charset="0"/>
                             </a:rPr>
-                            <m:t>𝑒</m:t>
+                            <m:t>𝐶𝑖</m:t>
                           </m:r>
                         </m:e>
                       </m:d>
